--- a/Lectures/Mid-Presentation-Model.pptx
+++ b/Lectures/Mid-Presentation-Model.pptx
@@ -15,10 +15,10 @@
     <p:sldId id="259" r:id="rId3"/>
     <p:sldId id="261" r:id="rId4"/>
     <p:sldId id="262" r:id="rId5"/>
-    <p:sldId id="263" r:id="rId6"/>
-    <p:sldId id="265" r:id="rId7"/>
-    <p:sldId id="268" r:id="rId8"/>
-    <p:sldId id="267" r:id="rId9"/>
+    <p:sldId id="268" r:id="rId6"/>
+    <p:sldId id="267" r:id="rId7"/>
+    <p:sldId id="269" r:id="rId8"/>
+    <p:sldId id="270" r:id="rId9"/>
   </p:sldIdLst>
   <p:sldSz cx="9144000" cy="6858000" type="screen4x3"/>
   <p:notesSz cx="6858000" cy="9144000"/>
@@ -202,7 +202,7 @@
           <a:p>
             <a:fld id="{D3AAB66F-B1B7-D045-B4E8-4F60236F228D}" type="datetimeFigureOut">
               <a:rPr lang="en-US" smtClean="0"/>
-              <a:t>3/27/16</a:t>
+              <a:t>3/29/16</a:t>
             </a:fld>
             <a:endParaRPr lang="en-US"/>
           </a:p>
@@ -368,7 +368,7 @@
           <a:p>
             <a:fld id="{BCCF8E76-06A6-164E-A6FA-EC32C13EB232}" type="datetimeFigureOut">
               <a:rPr lang="en-US" smtClean="0"/>
-              <a:t>3/27/16</a:t>
+              <a:t>3/29/16</a:t>
             </a:fld>
             <a:endParaRPr lang="en-US"/>
           </a:p>
@@ -916,19 +916,7 @@
                 <a:ea typeface="+mn-ea"/>
                 <a:cs typeface="+mn-cs"/>
               </a:rPr>
-              <a:t>A good presentation will present an overview or a summary of the solution and steps taken to implement that solution. Clearly and concisely list the most important things that you learned from your </a:t>
-            </a:r>
-            <a:r>
-              <a:rPr lang="en-US" sz="1200" i="1" kern="1200" dirty="0" smtClean="0">
-                <a:solidFill>
-                  <a:schemeClr val="tx1"/>
-                </a:solidFill>
-                <a:effectLst/>
-                <a:latin typeface="+mn-lt"/>
-                <a:ea typeface="+mn-ea"/>
-                <a:cs typeface="+mn-cs"/>
-              </a:rPr>
-              <a:t>data in this portion of the project</a:t>
+              <a:t>A good presentation will present an overview or a summary of the solution and steps taken to implement that solution. Clearly and concisely list the most important things that you learned from your data in this portion of the project</a:t>
             </a:r>
             <a:endParaRPr lang="en-US" sz="1200" kern="1200" dirty="0" smtClean="0">
               <a:solidFill>
@@ -1092,31 +1080,7 @@
                 <a:ea typeface="+mn-ea"/>
                 <a:cs typeface="+mn-cs"/>
               </a:rPr>
-              <a:t> explain what you wanted to know and how well your data matches that. It will be specific about where the data came from and discuss any known </a:t>
-            </a:r>
-            <a:r>
-              <a:rPr lang="en-US" sz="1200" i="1" kern="1200" baseline="0" dirty="0" smtClean="0">
-                <a:solidFill>
-                  <a:schemeClr val="tx1"/>
-                </a:solidFill>
-                <a:effectLst/>
-                <a:latin typeface="+mn-lt"/>
-                <a:ea typeface="+mn-ea"/>
-                <a:cs typeface="+mn-cs"/>
-              </a:rPr>
-              <a:t>quality issues</a:t>
-            </a:r>
-            <a:r>
-              <a:rPr lang="en-US" sz="1200" i="1" kern="1200" baseline="0" dirty="0" smtClean="0">
-                <a:solidFill>
-                  <a:schemeClr val="tx1"/>
-                </a:solidFill>
-                <a:effectLst/>
-                <a:latin typeface="+mn-lt"/>
-                <a:ea typeface="+mn-ea"/>
-                <a:cs typeface="+mn-cs"/>
-              </a:rPr>
-              <a:t>. </a:t>
+              <a:t> explain what you wanted to know and how well your data matches that. It will be specific about where the data came from and discuss any known quality issues. </a:t>
             </a:r>
             <a:endParaRPr lang="en-US" sz="1200" kern="1200" dirty="0" smtClean="0">
               <a:solidFill>
@@ -1237,7 +1201,19 @@
                 <a:ea typeface="+mn-ea"/>
                 <a:cs typeface="+mn-cs"/>
               </a:rPr>
-              <a:t>You </a:t>
+              <a:t>A good presentation will provide a clear description of your method of the analysis</a:t>
+            </a:r>
+            <a:r>
+              <a:rPr lang="en-US" sz="1200" i="1" kern="1200" baseline="0" dirty="0" smtClean="0">
+                <a:solidFill>
+                  <a:schemeClr val="tx1"/>
+                </a:solidFill>
+                <a:effectLst/>
+                <a:latin typeface="+mn-lt"/>
+                <a:ea typeface="+mn-ea"/>
+                <a:cs typeface="+mn-cs"/>
+              </a:rPr>
+              <a:t> </a:t>
             </a:r>
             <a:r>
               <a:rPr lang="en-US" sz="1200" i="1" kern="1200" dirty="0" smtClean="0">
@@ -1249,67 +1225,7 @@
                 <a:ea typeface="+mn-ea"/>
                 <a:cs typeface="+mn-cs"/>
               </a:rPr>
-              <a:t>should also give an overview of the different parts of the </a:t>
-            </a:r>
-            <a:r>
-              <a:rPr lang="en-US" sz="1200" i="1" kern="1200" dirty="0" smtClean="0">
-                <a:solidFill>
-                  <a:schemeClr val="tx1"/>
-                </a:solidFill>
-                <a:effectLst/>
-                <a:latin typeface="+mn-lt"/>
-                <a:ea typeface="+mn-ea"/>
-                <a:cs typeface="+mn-cs"/>
-              </a:rPr>
-              <a:t>visualization and </a:t>
-            </a:r>
-            <a:r>
-              <a:rPr lang="en-US" sz="1200" i="1" kern="1200" dirty="0" smtClean="0">
-                <a:solidFill>
-                  <a:schemeClr val="tx1"/>
-                </a:solidFill>
-                <a:effectLst/>
-                <a:latin typeface="+mn-lt"/>
-                <a:ea typeface="+mn-ea"/>
-                <a:cs typeface="+mn-cs"/>
-              </a:rPr>
-              <a:t>explain</a:t>
-            </a:r>
-            <a:r>
-              <a:rPr lang="en-US" sz="1200" i="1" kern="1200" baseline="0" dirty="0" smtClean="0">
-                <a:solidFill>
-                  <a:schemeClr val="tx1"/>
-                </a:solidFill>
-                <a:effectLst/>
-                <a:latin typeface="+mn-lt"/>
-                <a:ea typeface="+mn-ea"/>
-                <a:cs typeface="+mn-cs"/>
-              </a:rPr>
-              <a:t> how it meets the goals you </a:t>
-            </a:r>
-            <a:r>
-              <a:rPr lang="en-US" sz="1200" i="1" kern="1200" baseline="0" dirty="0" smtClean="0">
-                <a:solidFill>
-                  <a:schemeClr val="tx1"/>
-                </a:solidFill>
-                <a:effectLst/>
-                <a:latin typeface="+mn-lt"/>
-                <a:ea typeface="+mn-ea"/>
-                <a:cs typeface="+mn-cs"/>
-              </a:rPr>
-              <a:t>laid </a:t>
-            </a:r>
-            <a:r>
-              <a:rPr lang="en-US" sz="1200" i="1" kern="1200" baseline="0" dirty="0" smtClean="0">
-                <a:solidFill>
-                  <a:schemeClr val="tx1"/>
-                </a:solidFill>
-                <a:effectLst/>
-                <a:latin typeface="+mn-lt"/>
-                <a:ea typeface="+mn-ea"/>
-                <a:cs typeface="+mn-cs"/>
-              </a:rPr>
-              <a:t>out earlier in the talk</a:t>
+              <a:t>of the data, the assumptions you made (and why they are correct) and the results of this analysis.</a:t>
             </a:r>
             <a:endParaRPr lang="en-US" sz="1200" kern="1200" dirty="0" smtClean="0">
               <a:solidFill>
@@ -1352,7 +1268,7 @@
     </p:spTree>
     <p:extLst>
       <p:ext uri="{BB962C8B-B14F-4D97-AF65-F5344CB8AC3E}">
-        <p14:creationId xmlns:p14="http://schemas.microsoft.com/office/powerpoint/2010/main" val="2107189739"/>
+        <p14:creationId xmlns:p14="http://schemas.microsoft.com/office/powerpoint/2010/main" val="3353748406"/>
       </p:ext>
     </p:extLst>
   </p:cSld>
@@ -1433,103 +1349,7 @@
                 <a:ea typeface="+mn-ea"/>
                 <a:cs typeface="+mn-cs"/>
               </a:rPr>
-              <a:t>A good presentation will include a brief discussion about any issues with the </a:t>
-            </a:r>
-            <a:r>
-              <a:rPr lang="en-US" sz="1200" i="1" kern="1200" dirty="0" smtClean="0">
-                <a:solidFill>
-                  <a:schemeClr val="tx1"/>
-                </a:solidFill>
-                <a:effectLst/>
-                <a:latin typeface="+mn-lt"/>
-                <a:ea typeface="+mn-ea"/>
-                <a:cs typeface="+mn-cs"/>
-              </a:rPr>
-              <a:t>visualization or </a:t>
-            </a:r>
-            <a:r>
-              <a:rPr lang="en-US" sz="1200" i="1" kern="1200" dirty="0" smtClean="0">
-                <a:solidFill>
-                  <a:schemeClr val="tx1"/>
-                </a:solidFill>
-                <a:effectLst/>
-                <a:latin typeface="+mn-lt"/>
-                <a:ea typeface="+mn-ea"/>
-                <a:cs typeface="+mn-cs"/>
-              </a:rPr>
-              <a:t>limits on what it</a:t>
-            </a:r>
-            <a:r>
-              <a:rPr lang="en-US" sz="1200" i="1" kern="1200" baseline="0" dirty="0" smtClean="0">
-                <a:solidFill>
-                  <a:schemeClr val="tx1"/>
-                </a:solidFill>
-                <a:effectLst/>
-                <a:latin typeface="+mn-lt"/>
-                <a:ea typeface="+mn-ea"/>
-                <a:cs typeface="+mn-cs"/>
-              </a:rPr>
-              <a:t> is capable of, </a:t>
-            </a:r>
-            <a:r>
-              <a:rPr lang="en-US" sz="1200" i="1" kern="1200" dirty="0" smtClean="0">
-                <a:solidFill>
-                  <a:schemeClr val="tx1"/>
-                </a:solidFill>
-                <a:effectLst/>
-                <a:latin typeface="+mn-lt"/>
-                <a:ea typeface="+mn-ea"/>
-                <a:cs typeface="+mn-cs"/>
-              </a:rPr>
-              <a:t>how the </a:t>
-            </a:r>
-            <a:r>
-              <a:rPr lang="en-US" sz="1200" i="1" kern="1200" dirty="0" smtClean="0">
-                <a:solidFill>
-                  <a:schemeClr val="tx1"/>
-                </a:solidFill>
-                <a:effectLst/>
-                <a:latin typeface="+mn-lt"/>
-                <a:ea typeface="+mn-ea"/>
-                <a:cs typeface="+mn-cs"/>
-              </a:rPr>
-              <a:t>visualization</a:t>
-            </a:r>
-            <a:r>
-              <a:rPr lang="en-US" sz="1200" i="1" kern="1200" baseline="0" dirty="0" smtClean="0">
-                <a:solidFill>
-                  <a:schemeClr val="tx1"/>
-                </a:solidFill>
-                <a:effectLst/>
-                <a:latin typeface="+mn-lt"/>
-                <a:ea typeface="+mn-ea"/>
-                <a:cs typeface="+mn-cs"/>
-              </a:rPr>
-              <a:t> </a:t>
-            </a:r>
-            <a:r>
-              <a:rPr lang="en-US" sz="1200" i="1" kern="1200" dirty="0" smtClean="0">
-                <a:solidFill>
-                  <a:schemeClr val="tx1"/>
-                </a:solidFill>
-                <a:effectLst/>
-                <a:latin typeface="+mn-lt"/>
-                <a:ea typeface="+mn-ea"/>
-                <a:cs typeface="+mn-cs"/>
-              </a:rPr>
-              <a:t>could </a:t>
-            </a:r>
-            <a:r>
-              <a:rPr lang="en-US" sz="1200" i="1" kern="1200" dirty="0" smtClean="0">
-                <a:solidFill>
-                  <a:schemeClr val="tx1"/>
-                </a:solidFill>
-                <a:effectLst/>
-                <a:latin typeface="+mn-lt"/>
-                <a:ea typeface="+mn-ea"/>
-                <a:cs typeface="+mn-cs"/>
-              </a:rPr>
-              <a:t>be improved in the future or any new questions that have arisen from the data exploration. </a:t>
+              <a:t>A good presentation will show understanding of the underlining challenges with answering the questions, and will provide examples of existing attempts to answer the question and why these answers are lacking. Also, if nobody attempted to answer these questions before, are they really important or even answerable?</a:t>
             </a:r>
             <a:endParaRPr lang="en-US" sz="1200" kern="1200" dirty="0" smtClean="0">
               <a:solidFill>
@@ -1541,9 +1361,6 @@
               <a:cs typeface="+mn-cs"/>
             </a:endParaRPr>
           </a:p>
-          <a:p>
-            <a:endParaRPr lang="en-US" dirty="0"/>
-          </a:p>
         </p:txBody>
       </p:sp>
       <p:sp>
@@ -1572,7 +1389,7 @@
     </p:spTree>
     <p:extLst>
       <p:ext uri="{BB962C8B-B14F-4D97-AF65-F5344CB8AC3E}">
-        <p14:creationId xmlns:p14="http://schemas.microsoft.com/office/powerpoint/2010/main" val="2036549096"/>
+        <p14:creationId xmlns:p14="http://schemas.microsoft.com/office/powerpoint/2010/main" val="90518026"/>
       </p:ext>
     </p:extLst>
   </p:cSld>
@@ -1653,7 +1470,7 @@
                 <a:ea typeface="+mn-ea"/>
                 <a:cs typeface="+mn-cs"/>
               </a:rPr>
-              <a:t>A good presentation will provide a clear description of your method of the analysis</a:t>
+              <a:t>You should also give an overview of the different parts of the visualization and explain</a:t>
             </a:r>
             <a:r>
               <a:rPr lang="en-US" sz="1200" i="1" kern="1200" baseline="0" dirty="0" smtClean="0">
@@ -1665,19 +1482,7 @@
                 <a:ea typeface="+mn-ea"/>
                 <a:cs typeface="+mn-cs"/>
               </a:rPr>
-              <a:t> </a:t>
-            </a:r>
-            <a:r>
-              <a:rPr lang="en-US" sz="1200" i="1" kern="1200" dirty="0" smtClean="0">
-                <a:solidFill>
-                  <a:schemeClr val="tx1"/>
-                </a:solidFill>
-                <a:effectLst/>
-                <a:latin typeface="+mn-lt"/>
-                <a:ea typeface="+mn-ea"/>
-                <a:cs typeface="+mn-cs"/>
-              </a:rPr>
-              <a:t>of the data, the assumptions you made (and why they are correct) and the results of this analysis.</a:t>
+              <a:t> how it meets the goals you laid out earlier in the talk</a:t>
             </a:r>
             <a:endParaRPr lang="en-US" sz="1200" kern="1200" dirty="0" smtClean="0">
               <a:solidFill>
@@ -1720,7 +1525,7 @@
     </p:spTree>
     <p:extLst>
       <p:ext uri="{BB962C8B-B14F-4D97-AF65-F5344CB8AC3E}">
-        <p14:creationId xmlns:p14="http://schemas.microsoft.com/office/powerpoint/2010/main" val="3353748406"/>
+        <p14:creationId xmlns:p14="http://schemas.microsoft.com/office/powerpoint/2010/main" val="2107189739"/>
       </p:ext>
     </p:extLst>
   </p:cSld>
@@ -1801,7 +1606,55 @@
                 <a:ea typeface="+mn-ea"/>
                 <a:cs typeface="+mn-cs"/>
               </a:rPr>
-              <a:t>A good presentation will show understanding of the underlining challenges with answering the questions, and will provide examples of existing attempts to answer the question and why these answers are lacking. Also, if nobody attempted to answer these questions before, are they really important or even answerable?</a:t>
+              <a:t>A good presentation will include a brief discussion about any issues with the visualization or limits on what it</a:t>
+            </a:r>
+            <a:r>
+              <a:rPr lang="en-US" sz="1200" i="1" kern="1200" baseline="0" dirty="0" smtClean="0">
+                <a:solidFill>
+                  <a:schemeClr val="tx1"/>
+                </a:solidFill>
+                <a:effectLst/>
+                <a:latin typeface="+mn-lt"/>
+                <a:ea typeface="+mn-ea"/>
+                <a:cs typeface="+mn-cs"/>
+              </a:rPr>
+              <a:t> is capable of, </a:t>
+            </a:r>
+            <a:r>
+              <a:rPr lang="en-US" sz="1200" i="1" kern="1200" dirty="0" smtClean="0">
+                <a:solidFill>
+                  <a:schemeClr val="tx1"/>
+                </a:solidFill>
+                <a:effectLst/>
+                <a:latin typeface="+mn-lt"/>
+                <a:ea typeface="+mn-ea"/>
+                <a:cs typeface="+mn-cs"/>
+              </a:rPr>
+              <a:t>how the visualization</a:t>
+            </a:r>
+            <a:r>
+              <a:rPr lang="en-US" sz="1200" i="1" kern="1200" baseline="0" dirty="0" smtClean="0">
+                <a:solidFill>
+                  <a:schemeClr val="tx1"/>
+                </a:solidFill>
+                <a:effectLst/>
+                <a:latin typeface="+mn-lt"/>
+                <a:ea typeface="+mn-ea"/>
+                <a:cs typeface="+mn-cs"/>
+              </a:rPr>
+              <a:t> </a:t>
+            </a:r>
+            <a:r>
+              <a:rPr lang="en-US" sz="1200" i="1" kern="1200" dirty="0" smtClean="0">
+                <a:solidFill>
+                  <a:schemeClr val="tx1"/>
+                </a:solidFill>
+                <a:effectLst/>
+                <a:latin typeface="+mn-lt"/>
+                <a:ea typeface="+mn-ea"/>
+                <a:cs typeface="+mn-cs"/>
+              </a:rPr>
+              <a:t>could be improved in the future or any new questions that have arisen from the data exploration. </a:t>
             </a:r>
             <a:endParaRPr lang="en-US" sz="1200" kern="1200" dirty="0" smtClean="0">
               <a:solidFill>
@@ -1813,6 +1666,9 @@
               <a:cs typeface="+mn-cs"/>
             </a:endParaRPr>
           </a:p>
+          <a:p>
+            <a:endParaRPr lang="en-US" dirty="0"/>
+          </a:p>
         </p:txBody>
       </p:sp>
       <p:sp>
@@ -1841,7 +1697,7 @@
     </p:spTree>
     <p:extLst>
       <p:ext uri="{BB962C8B-B14F-4D97-AF65-F5344CB8AC3E}">
-        <p14:creationId xmlns:p14="http://schemas.microsoft.com/office/powerpoint/2010/main" val="90518026"/>
+        <p14:creationId xmlns:p14="http://schemas.microsoft.com/office/powerpoint/2010/main" val="2036549096"/>
       </p:ext>
     </p:extLst>
   </p:cSld>
@@ -2368,7 +2224,7 @@
             <a:fld id="{FA3C144B-2939-9A49-B014-915EC3E81866}" type="datetime1">
               <a:rPr lang="en-US" smtClean="0"/>
               <a:pPr/>
-              <a:t>3/27/16</a:t>
+              <a:t>3/29/16</a:t>
             </a:fld>
             <a:endParaRPr lang="en-US" dirty="0"/>
           </a:p>
@@ -2797,7 +2653,7 @@
           <a:p>
             <a:fld id="{76838339-A875-5E45-AB3F-AAABD270346A}" type="datetime1">
               <a:rPr lang="en-US" smtClean="0"/>
-              <a:t>3/27/16</a:t>
+              <a:t>3/29/16</a:t>
             </a:fld>
             <a:endParaRPr lang="en-US"/>
           </a:p>
@@ -3083,7 +2939,7 @@
             <a:fld id="{FA3C144B-2939-9A49-B014-915EC3E81866}" type="datetime1">
               <a:rPr lang="en-US" smtClean="0"/>
               <a:pPr/>
-              <a:t>3/27/16</a:t>
+              <a:t>3/29/16</a:t>
             </a:fld>
             <a:endParaRPr lang="en-US" dirty="0"/>
           </a:p>
@@ -3565,7 +3421,7 @@
           <a:p>
             <a:fld id="{A73F672F-A5FB-5745-934A-1BF51CA5539C}" type="datetime1">
               <a:rPr lang="en-US" smtClean="0"/>
-              <a:t>3/27/16</a:t>
+              <a:t>3/29/16</a:t>
             </a:fld>
             <a:endParaRPr lang="en-US"/>
           </a:p>
@@ -3907,7 +3763,7 @@
             <a:fld id="{FA3C144B-2939-9A49-B014-915EC3E81866}" type="datetime1">
               <a:rPr lang="en-US" smtClean="0"/>
               <a:pPr/>
-              <a:t>3/27/16</a:t>
+              <a:t>3/29/16</a:t>
             </a:fld>
             <a:endParaRPr lang="en-US" dirty="0"/>
           </a:p>
@@ -4371,7 +4227,7 @@
           <a:p>
             <a:fld id="{6AFE6A63-5EBE-3E48-B0AE-DF655A1ECE76}" type="datetime1">
               <a:rPr lang="en-US" smtClean="0"/>
-              <a:t>3/27/16</a:t>
+              <a:t>3/29/16</a:t>
             </a:fld>
             <a:endParaRPr lang="en-US"/>
           </a:p>
@@ -4690,7 +4546,7 @@
           <a:p>
             <a:fld id="{4A019F0C-9D18-B54A-9AC9-18AA74EDB034}" type="datetime1">
               <a:rPr lang="en-US" smtClean="0"/>
-              <a:t>3/27/16</a:t>
+              <a:t>3/29/16</a:t>
             </a:fld>
             <a:endParaRPr lang="en-US"/>
           </a:p>
@@ -5000,7 +4856,7 @@
             <a:fld id="{FA3C144B-2939-9A49-B014-915EC3E81866}" type="datetime1">
               <a:rPr lang="en-US" smtClean="0"/>
               <a:pPr/>
-              <a:t>3/27/16</a:t>
+              <a:t>3/29/16</a:t>
             </a:fld>
             <a:endParaRPr lang="en-US" dirty="0"/>
           </a:p>
@@ -5263,7 +5119,7 @@
           <a:p>
             <a:fld id="{FA3C144B-2939-9A49-B014-915EC3E81866}" type="datetime1">
               <a:rPr lang="en-US" smtClean="0"/>
-              <a:t>3/27/16</a:t>
+              <a:t>3/29/16</a:t>
             </a:fld>
             <a:endParaRPr lang="en-US" dirty="0"/>
           </a:p>
@@ -5631,7 +5487,7 @@
           <a:p>
             <a:fld id="{7053BEFA-1175-F644-B249-7D41D72BD3FF}" type="datetime1">
               <a:rPr lang="en-US" smtClean="0"/>
-              <a:t>3/27/16</a:t>
+              <a:t>3/29/16</a:t>
             </a:fld>
             <a:endParaRPr lang="en-US"/>
           </a:p>
@@ -5750,7 +5606,7 @@
             <a:fld id="{FA3C144B-2939-9A49-B014-915EC3E81866}" type="datetime1">
               <a:rPr lang="en-US" smtClean="0"/>
               <a:pPr/>
-              <a:t>3/27/16</a:t>
+              <a:t>3/29/16</a:t>
             </a:fld>
             <a:endParaRPr lang="en-US" dirty="0"/>
           </a:p>
@@ -5967,7 +5823,7 @@
             <a:fld id="{FA3C144B-2939-9A49-B014-915EC3E81866}" type="datetime1">
               <a:rPr lang="en-US" smtClean="0"/>
               <a:pPr/>
-              <a:t>3/27/16</a:t>
+              <a:t>3/29/16</a:t>
             </a:fld>
             <a:endParaRPr lang="en-US" dirty="0"/>
           </a:p>
@@ -6212,7 +6068,7 @@
             <a:fld id="{FA3C144B-2939-9A49-B014-915EC3E81866}" type="datetime1">
               <a:rPr lang="en-US" smtClean="0"/>
               <a:pPr/>
-              <a:t>3/27/16</a:t>
+              <a:t>3/29/16</a:t>
             </a:fld>
             <a:endParaRPr lang="en-US" dirty="0"/>
           </a:p>
@@ -6590,7 +6446,7 @@
           <a:p>
             <a:fld id="{111EEF3B-ABF2-AA4E-9E24-0C6256942674}" type="datetime1">
               <a:rPr lang="en-US" smtClean="0"/>
-              <a:t>3/27/16</a:t>
+              <a:t>3/29/16</a:t>
             </a:fld>
             <a:endParaRPr lang="en-US"/>
           </a:p>
@@ -6754,7 +6610,7 @@
             <a:fld id="{FA3C144B-2939-9A49-B014-915EC3E81866}" type="datetime1">
               <a:rPr lang="en-US" smtClean="0"/>
               <a:pPr/>
-              <a:t>3/27/16</a:t>
+              <a:t>3/29/16</a:t>
             </a:fld>
             <a:endParaRPr lang="en-US" dirty="0"/>
           </a:p>
@@ -7171,7 +7027,7 @@
             <a:fld id="{FA3C144B-2939-9A49-B014-915EC3E81866}" type="datetime1">
               <a:rPr lang="en-US" smtClean="0"/>
               <a:pPr/>
-              <a:t>3/27/16</a:t>
+              <a:t>3/29/16</a:t>
             </a:fld>
             <a:endParaRPr lang="en-US" dirty="0"/>
           </a:p>
@@ -7487,7 +7343,7 @@
             <a:fld id="{FA3C144B-2939-9A49-B014-915EC3E81866}" type="datetime1">
               <a:rPr lang="en-US" smtClean="0"/>
               <a:pPr/>
-              <a:t>3/27/16</a:t>
+              <a:t>3/29/16</a:t>
             </a:fld>
             <a:endParaRPr lang="en-US" dirty="0"/>
           </a:p>
@@ -8153,7 +8009,7 @@
             <a:fld id="{FA3C144B-2939-9A49-B014-915EC3E81866}" type="datetime1">
               <a:rPr lang="en-US" smtClean="0"/>
               <a:pPr/>
-              <a:t>3/27/16</a:t>
+              <a:t>3/29/16</a:t>
             </a:fld>
             <a:endParaRPr lang="en-US" dirty="0"/>
           </a:p>
@@ -9075,7 +8931,7 @@
           <a:p>
             <a:fld id="{7053BEFA-1175-F644-B249-7D41D72BD3FF}" type="datetime1">
               <a:rPr lang="en-US" smtClean="0"/>
-              <a:t>3/27/16</a:t>
+              <a:t>3/29/16</a:t>
             </a:fld>
             <a:endParaRPr lang="en-US"/>
           </a:p>
@@ -9229,7 +9085,7 @@
           <a:p>
             <a:fld id="{7053BEFA-1175-F644-B249-7D41D72BD3FF}" type="datetime1">
               <a:rPr lang="en-US" smtClean="0"/>
-              <a:t>3/27/16</a:t>
+              <a:t>3/29/16</a:t>
             </a:fld>
             <a:endParaRPr lang="en-US"/>
           </a:p>
@@ -9399,7 +9255,7 @@
           <a:p>
             <a:fld id="{7053BEFA-1175-F644-B249-7D41D72BD3FF}" type="datetime1">
               <a:rPr lang="en-US" smtClean="0"/>
-              <a:t>3/27/16</a:t>
+              <a:t>3/29/16</a:t>
             </a:fld>
             <a:endParaRPr lang="en-US"/>
           </a:p>
@@ -9494,11 +9350,7 @@
           <a:p>
             <a:r>
               <a:rPr lang="en-US" dirty="0" smtClean="0"/>
-              <a:t>Visualization [</a:t>
-            </a:r>
-            <a:r>
-              <a:rPr lang="en-US" dirty="0" smtClean="0"/>
-              <a:t>1-2 slides]</a:t>
+              <a:t>Technical details [1-3 slides]</a:t>
             </a:r>
             <a:endParaRPr lang="en-US" dirty="0"/>
           </a:p>
@@ -9521,36 +9373,43 @@
           <a:p>
             <a:r>
               <a:rPr lang="en-US" dirty="0" smtClean="0"/>
-              <a:t>How does your system work</a:t>
-            </a:r>
-          </a:p>
-          <a:p>
-            <a:r>
-              <a:rPr lang="en-US" dirty="0" smtClean="0"/>
-              <a:t>How does it answer the question you posed</a:t>
-            </a:r>
-            <a:r>
-              <a:rPr lang="en-US" dirty="0" smtClean="0"/>
-              <a:t>?</a:t>
-            </a:r>
-          </a:p>
-          <a:p>
-            <a:r>
-              <a:rPr lang="en-US" dirty="0" smtClean="0"/>
-              <a:t>Show us some pictures or a demo!</a:t>
-            </a:r>
-            <a:endParaRPr lang="en-US" dirty="0" smtClean="0"/>
-          </a:p>
-          <a:p>
-            <a:endParaRPr lang="en-US" dirty="0" smtClean="0"/>
-          </a:p>
-          <a:p>
-            <a:endParaRPr lang="en-US" dirty="0" smtClean="0"/>
-          </a:p>
-          <a:p>
-            <a:endParaRPr lang="en-US" dirty="0" smtClean="0"/>
-          </a:p>
-          <a:p>
+              <a:t>What methods did you use to explore the data?</a:t>
+            </a:r>
+          </a:p>
+          <a:p>
+            <a:pPr lvl="1"/>
+            <a:r>
+              <a:rPr lang="en-US" dirty="0" smtClean="0"/>
+              <a:t>Did you use statistics? What did you do? Why is it correct? What did you find?</a:t>
+            </a:r>
+          </a:p>
+          <a:p>
+            <a:pPr lvl="1"/>
+            <a:r>
+              <a:rPr lang="en-US" dirty="0" smtClean="0"/>
+              <a:t>Did you use machine learning? What did you do? Why is it correct? What did you find?</a:t>
+            </a:r>
+          </a:p>
+          <a:p>
+            <a:pPr lvl="1"/>
+            <a:r>
+              <a:rPr lang="en-US" dirty="0" smtClean="0"/>
+              <a:t>Did you use visualization? What did you do? Why is it correct? What did you find?</a:t>
+            </a:r>
+          </a:p>
+          <a:p>
+            <a:pPr lvl="1"/>
+            <a:endParaRPr lang="en-US" dirty="0"/>
+          </a:p>
+          <a:p>
+            <a:pPr lvl="1"/>
+            <a:r>
+              <a:rPr lang="en-US" dirty="0"/>
+              <a:t>NOT REQUIRED FOR THIS PRESENTATION BUT EXPECTED AT THE FINAL</a:t>
+            </a:r>
+          </a:p>
+          <a:p>
+            <a:pPr lvl="1"/>
             <a:endParaRPr lang="en-US" dirty="0"/>
           </a:p>
         </p:txBody>
@@ -9572,7 +9431,7 @@
           <a:p>
             <a:fld id="{7053BEFA-1175-F644-B249-7D41D72BD3FF}" type="datetime1">
               <a:rPr lang="en-US" smtClean="0"/>
-              <a:t>3/27/16</a:t>
+              <a:t>3/29/16</a:t>
             </a:fld>
             <a:endParaRPr lang="en-US"/>
           </a:p>
@@ -9623,7 +9482,7 @@
     </p:spTree>
     <p:extLst>
       <p:ext uri="{BB962C8B-B14F-4D97-AF65-F5344CB8AC3E}">
-        <p14:creationId xmlns:p14="http://schemas.microsoft.com/office/powerpoint/2010/main" val="436840206"/>
+        <p14:creationId xmlns:p14="http://schemas.microsoft.com/office/powerpoint/2010/main" val="457755683"/>
       </p:ext>
     </p:extLst>
   </p:cSld>
@@ -9667,7 +9526,7 @@
           <a:p>
             <a:r>
               <a:rPr lang="en-US" dirty="0" smtClean="0"/>
-              <a:t>Limitations</a:t>
+              <a:t>Past Work [1 slide]</a:t>
             </a:r>
             <a:endParaRPr lang="en-US" dirty="0"/>
           </a:p>
@@ -9688,14 +9547,28 @@
           <a:bodyPr/>
           <a:lstStyle/>
           <a:p>
-            <a:pPr lvl="0"/>
-            <a:r>
-              <a:rPr lang="en-US" dirty="0"/>
-              <a:t>What are some of the limitations of your approach and what are the next steps that you could do to improve your data exploration?</a:t>
-            </a:r>
-          </a:p>
-          <a:p>
-            <a:endParaRPr lang="en-US" dirty="0"/>
+            <a:r>
+              <a:rPr lang="en-US" dirty="0" smtClean="0"/>
+              <a:t>What answers or partial answers to this question already exist?</a:t>
+            </a:r>
+          </a:p>
+          <a:p>
+            <a:r>
+              <a:rPr lang="en-US" dirty="0" smtClean="0"/>
+              <a:t>What if anything is hard about answering your question</a:t>
+            </a:r>
+          </a:p>
+          <a:p>
+            <a:endParaRPr lang="en-US" dirty="0"/>
+          </a:p>
+          <a:p>
+            <a:r>
+              <a:rPr lang="en-US" dirty="0" smtClean="0"/>
+              <a:t>NOT REQUIRED FOR THIS PRESENTATION BUT EXPECTED AT THE FINAL</a:t>
+            </a:r>
+          </a:p>
+          <a:p>
+            <a:endParaRPr lang="en-US" dirty="0" smtClean="0"/>
           </a:p>
         </p:txBody>
       </p:sp>
@@ -9716,7 +9589,7 @@
           <a:p>
             <a:fld id="{7053BEFA-1175-F644-B249-7D41D72BD3FF}" type="datetime1">
               <a:rPr lang="en-US" smtClean="0"/>
-              <a:t>3/27/16</a:t>
+              <a:t>3/29/16</a:t>
             </a:fld>
             <a:endParaRPr lang="en-US"/>
           </a:p>
@@ -9767,7 +9640,7 @@
     </p:spTree>
     <p:extLst>
       <p:ext uri="{BB962C8B-B14F-4D97-AF65-F5344CB8AC3E}">
-        <p14:creationId xmlns:p14="http://schemas.microsoft.com/office/powerpoint/2010/main" val="2506856091"/>
+        <p14:creationId xmlns:p14="http://schemas.microsoft.com/office/powerpoint/2010/main" val="3539659798"/>
       </p:ext>
     </p:extLst>
   </p:cSld>
@@ -9811,7 +9684,7 @@
           <a:p>
             <a:r>
               <a:rPr lang="en-US" dirty="0" smtClean="0"/>
-              <a:t>Technical details [1-3 slides]</a:t>
+              <a:t>Visualization [1-2 slides]</a:t>
             </a:r>
             <a:endParaRPr lang="en-US" dirty="0"/>
           </a:p>
@@ -9834,47 +9707,31 @@
           <a:p>
             <a:r>
               <a:rPr lang="en-US" dirty="0" smtClean="0"/>
-              <a:t>What methods did you use to explore the data?</a:t>
-            </a:r>
-          </a:p>
-          <a:p>
-            <a:pPr lvl="1"/>
-            <a:r>
-              <a:rPr lang="en-US" dirty="0" smtClean="0"/>
-              <a:t>Did you use statistics? What did you do? Why is it correct? What did you find?</a:t>
-            </a:r>
-          </a:p>
-          <a:p>
-            <a:pPr lvl="1"/>
-            <a:r>
-              <a:rPr lang="en-US" dirty="0" smtClean="0"/>
-              <a:t>Did you use machine learning? What did you do? Why is it correct? What did you find?</a:t>
-            </a:r>
-          </a:p>
-          <a:p>
-            <a:pPr lvl="1"/>
-            <a:r>
-              <a:rPr lang="en-US" dirty="0" smtClean="0"/>
-              <a:t>Did you use visualization? What did you do? Why is it correct? What did you find</a:t>
-            </a:r>
-            <a:r>
-              <a:rPr lang="en-US" dirty="0" smtClean="0"/>
-              <a:t>?</a:t>
-            </a:r>
-          </a:p>
-          <a:p>
-            <a:pPr lvl="1"/>
-            <a:endParaRPr lang="en-US" dirty="0"/>
-          </a:p>
-          <a:p>
-            <a:pPr lvl="1"/>
-            <a:r>
-              <a:rPr lang="en-US" dirty="0"/>
-              <a:t>NOT REQUIRED FOR THIS PRESENTATION BUT EXPECTED AT THE FINAL</a:t>
-            </a:r>
-          </a:p>
-          <a:p>
-            <a:pPr lvl="1"/>
+              <a:t>How does your system work</a:t>
+            </a:r>
+          </a:p>
+          <a:p>
+            <a:r>
+              <a:rPr lang="en-US" dirty="0" smtClean="0"/>
+              <a:t>How does it answer the question you posed?</a:t>
+            </a:r>
+          </a:p>
+          <a:p>
+            <a:r>
+              <a:rPr lang="en-US" dirty="0" smtClean="0"/>
+              <a:t>Show us some pictures or a demo!</a:t>
+            </a:r>
+          </a:p>
+          <a:p>
+            <a:endParaRPr lang="en-US" dirty="0" smtClean="0"/>
+          </a:p>
+          <a:p>
+            <a:endParaRPr lang="en-US" dirty="0" smtClean="0"/>
+          </a:p>
+          <a:p>
+            <a:endParaRPr lang="en-US" dirty="0" smtClean="0"/>
+          </a:p>
+          <a:p>
             <a:endParaRPr lang="en-US" dirty="0"/>
           </a:p>
         </p:txBody>
@@ -9896,7 +9753,7 @@
           <a:p>
             <a:fld id="{7053BEFA-1175-F644-B249-7D41D72BD3FF}" type="datetime1">
               <a:rPr lang="en-US" smtClean="0"/>
-              <a:t>3/27/16</a:t>
+              <a:t>3/29/16</a:t>
             </a:fld>
             <a:endParaRPr lang="en-US"/>
           </a:p>
@@ -9947,7 +9804,7 @@
     </p:spTree>
     <p:extLst>
       <p:ext uri="{BB962C8B-B14F-4D97-AF65-F5344CB8AC3E}">
-        <p14:creationId xmlns:p14="http://schemas.microsoft.com/office/powerpoint/2010/main" val="457755683"/>
+        <p14:creationId xmlns:p14="http://schemas.microsoft.com/office/powerpoint/2010/main" val="1795533983"/>
       </p:ext>
     </p:extLst>
   </p:cSld>
@@ -9991,7 +9848,7 @@
           <a:p>
             <a:r>
               <a:rPr lang="en-US" dirty="0" smtClean="0"/>
-              <a:t>Past Work [1 slide]</a:t>
+              <a:t>Limitations</a:t>
             </a:r>
             <a:endParaRPr lang="en-US" dirty="0"/>
           </a:p>
@@ -10012,33 +9869,14 @@
           <a:bodyPr/>
           <a:lstStyle/>
           <a:p>
-            <a:r>
-              <a:rPr lang="en-US" dirty="0" smtClean="0"/>
-              <a:t>What answers or partial answers to this question already exist?</a:t>
-            </a:r>
-          </a:p>
-          <a:p>
-            <a:r>
-              <a:rPr lang="en-US" dirty="0" smtClean="0"/>
-              <a:t>What if anything is hard about answering your </a:t>
-            </a:r>
-            <a:r>
-              <a:rPr lang="en-US" dirty="0" smtClean="0"/>
-              <a:t>question</a:t>
-            </a:r>
-          </a:p>
-          <a:p>
-            <a:endParaRPr lang="en-US" dirty="0"/>
-          </a:p>
-          <a:p>
-            <a:r>
-              <a:rPr lang="en-US" dirty="0" smtClean="0"/>
-              <a:t>NOT REQUIRED FOR THIS PRESENTATION BUT EXPECTED AT THE FINAL</a:t>
-            </a:r>
-            <a:endParaRPr lang="en-US" dirty="0" smtClean="0"/>
-          </a:p>
-          <a:p>
-            <a:endParaRPr lang="en-US" dirty="0" smtClean="0"/>
+            <a:pPr lvl="0"/>
+            <a:r>
+              <a:rPr lang="en-US" dirty="0"/>
+              <a:t>What are some of the limitations of your approach and what are the next steps that you could do to improve your data exploration?</a:t>
+            </a:r>
+          </a:p>
+          <a:p>
+            <a:endParaRPr lang="en-US" dirty="0"/>
           </a:p>
         </p:txBody>
       </p:sp>
@@ -10059,7 +9897,7 @@
           <a:p>
             <a:fld id="{7053BEFA-1175-F644-B249-7D41D72BD3FF}" type="datetime1">
               <a:rPr lang="en-US" smtClean="0"/>
-              <a:t>3/27/16</a:t>
+              <a:t>3/29/16</a:t>
             </a:fld>
             <a:endParaRPr lang="en-US"/>
           </a:p>
@@ -10110,7 +9948,7 @@
     </p:spTree>
     <p:extLst>
       <p:ext uri="{BB962C8B-B14F-4D97-AF65-F5344CB8AC3E}">
-        <p14:creationId xmlns:p14="http://schemas.microsoft.com/office/powerpoint/2010/main" val="3539659798"/>
+        <p14:creationId xmlns:p14="http://schemas.microsoft.com/office/powerpoint/2010/main" val="1579188208"/>
       </p:ext>
     </p:extLst>
   </p:cSld>
